--- a/02 Midi/03 A synthesiser.pptx
+++ b/02 Midi/03 A synthesiser.pptx
@@ -143,30 +143,6 @@
           <pc:docMk/>
           <pc:sldMk cId="3985485555" sldId="291"/>
         </pc:sldMkLst>
-        <pc:spChg chg="mod">
-          <ac:chgData name="Joshua Reiss" userId="71f87c30-4769-4a42-a082-a6a82298c8cb" providerId="ADAL" clId="{CFBDA4F1-75F9-4C09-86E8-4550F2088FA6}" dt="2024-08-22T12:08:19.283" v="109" actId="14100"/>
-          <ac:spMkLst>
-            <pc:docMk/>
-            <pc:sldMk cId="3985485555" sldId="291"/>
-            <ac:spMk id="3" creationId="{76E70533-EE7B-642A-018F-891BB8F08B8E}"/>
-          </ac:spMkLst>
-        </pc:spChg>
-        <pc:picChg chg="mod">
-          <ac:chgData name="Joshua Reiss" userId="71f87c30-4769-4a42-a082-a6a82298c8cb" providerId="ADAL" clId="{CFBDA4F1-75F9-4C09-86E8-4550F2088FA6}" dt="2024-08-22T12:08:37.474" v="113" actId="1076"/>
-          <ac:picMkLst>
-            <pc:docMk/>
-            <pc:sldMk cId="3985485555" sldId="291"/>
-            <ac:picMk id="5" creationId="{6BE24750-2003-3ED2-F7B9-BD8F1AE3A48A}"/>
-          </ac:picMkLst>
-        </pc:picChg>
-        <pc:picChg chg="del">
-          <ac:chgData name="Joshua Reiss" userId="71f87c30-4769-4a42-a082-a6a82298c8cb" providerId="ADAL" clId="{CFBDA4F1-75F9-4C09-86E8-4550F2088FA6}" dt="2024-08-22T12:07:39.323" v="99" actId="478"/>
-          <ac:picMkLst>
-            <pc:docMk/>
-            <pc:sldMk cId="3985485555" sldId="291"/>
-            <ac:picMk id="7" creationId="{922BC474-39FF-F087-43F8-FA130B0C8B4E}"/>
-          </ac:picMkLst>
-        </pc:picChg>
       </pc:sldChg>
       <pc:sldChg chg="modSp mod">
         <pc:chgData name="Joshua Reiss" userId="71f87c30-4769-4a42-a082-a6a82298c8cb" providerId="ADAL" clId="{CFBDA4F1-75F9-4C09-86E8-4550F2088FA6}" dt="2024-08-21T20:48:04.803" v="97" actId="1035"/>
@@ -174,20 +150,28 @@
           <pc:docMk/>
           <pc:sldMk cId="1110137330" sldId="292"/>
         </pc:sldMkLst>
+      </pc:sldChg>
+    </pc:docChg>
+  </pc:docChgLst>
+  <pc:docChgLst>
+    <pc:chgData name="Joshua Reiss" userId="71f87c30-4769-4a42-a082-a6a82298c8cb" providerId="ADAL" clId="{D3780D76-4088-4A09-A6B2-CBAC556584D9}"/>
+    <pc:docChg chg="modSld">
+      <pc:chgData name="Joshua Reiss" userId="71f87c30-4769-4a42-a082-a6a82298c8cb" providerId="ADAL" clId="{D3780D76-4088-4A09-A6B2-CBAC556584D9}" dt="2025-02-06T15:40:02.765" v="0" actId="58"/>
+      <pc:docMkLst>
+        <pc:docMk/>
+      </pc:docMkLst>
+      <pc:sldChg chg="modSp mod">
+        <pc:chgData name="Joshua Reiss" userId="71f87c30-4769-4a42-a082-a6a82298c8cb" providerId="ADAL" clId="{D3780D76-4088-4A09-A6B2-CBAC556584D9}" dt="2025-02-06T15:40:02.765" v="0" actId="58"/>
+        <pc:sldMkLst>
+          <pc:docMk/>
+          <pc:sldMk cId="2597113808" sldId="283"/>
+        </pc:sldMkLst>
         <pc:spChg chg="mod">
-          <ac:chgData name="Joshua Reiss" userId="71f87c30-4769-4a42-a082-a6a82298c8cb" providerId="ADAL" clId="{CFBDA4F1-75F9-4C09-86E8-4550F2088FA6}" dt="2024-08-21T20:45:47.423" v="63" actId="14100"/>
+          <ac:chgData name="Joshua Reiss" userId="71f87c30-4769-4a42-a082-a6a82298c8cb" providerId="ADAL" clId="{D3780D76-4088-4A09-A6B2-CBAC556584D9}" dt="2025-02-06T15:40:02.765" v="0" actId="58"/>
           <ac:spMkLst>
             <pc:docMk/>
-            <pc:sldMk cId="1110137330" sldId="292"/>
-            <ac:spMk id="2" creationId="{149D7892-438F-5A1C-D8B9-8AB0B95DCC0F}"/>
-          </ac:spMkLst>
-        </pc:spChg>
-        <pc:spChg chg="mod">
-          <ac:chgData name="Joshua Reiss" userId="71f87c30-4769-4a42-a082-a6a82298c8cb" providerId="ADAL" clId="{CFBDA4F1-75F9-4C09-86E8-4550F2088FA6}" dt="2024-08-21T20:48:04.803" v="97" actId="1035"/>
-          <ac:spMkLst>
-            <pc:docMk/>
-            <pc:sldMk cId="1110137330" sldId="292"/>
-            <ac:spMk id="3" creationId="{D09BAD68-6BFD-DD34-AA53-9F1E15506A15}"/>
+            <pc:sldMk cId="2597113808" sldId="283"/>
+            <ac:spMk id="3" creationId="{08A63C16-FF94-1B7F-F3EF-674DA8CB6ABA}"/>
           </ac:spMkLst>
         </pc:spChg>
       </pc:sldChg>
@@ -278,7 +262,7 @@
           <a:p>
             <a:fld id="{BE487CCF-3B53-4F90-977B-B099D72D42DC}" type="datetimeFigureOut">
               <a:rPr lang="en-GB" smtClean="0"/>
-              <a:t>22/08/2024</a:t>
+              <a:t>06/02/2025</a:t>
             </a:fld>
             <a:endParaRPr lang="en-GB"/>
           </a:p>
@@ -782,7 +766,7 @@
           <a:p>
             <a:fld id="{F8A5948D-6B6B-4AEB-B022-F2A9ADD6F77D}" type="datetimeFigureOut">
               <a:rPr lang="en-GB" smtClean="0"/>
-              <a:t>22/08/2024</a:t>
+              <a:t>06/02/2025</a:t>
             </a:fld>
             <a:endParaRPr lang="en-GB"/>
           </a:p>
@@ -982,7 +966,7 @@
           <a:p>
             <a:fld id="{F8A5948D-6B6B-4AEB-B022-F2A9ADD6F77D}" type="datetimeFigureOut">
               <a:rPr lang="en-GB" smtClean="0"/>
-              <a:t>22/08/2024</a:t>
+              <a:t>06/02/2025</a:t>
             </a:fld>
             <a:endParaRPr lang="en-GB"/>
           </a:p>
@@ -1192,7 +1176,7 @@
           <a:p>
             <a:fld id="{F8A5948D-6B6B-4AEB-B022-F2A9ADD6F77D}" type="datetimeFigureOut">
               <a:rPr lang="en-GB" smtClean="0"/>
-              <a:t>22/08/2024</a:t>
+              <a:t>06/02/2025</a:t>
             </a:fld>
             <a:endParaRPr lang="en-GB"/>
           </a:p>
@@ -1397,7 +1381,7 @@
           <a:p>
             <a:fld id="{F8A5948D-6B6B-4AEB-B022-F2A9ADD6F77D}" type="datetimeFigureOut">
               <a:rPr lang="en-GB" smtClean="0"/>
-              <a:t>22/08/2024</a:t>
+              <a:t>06/02/2025</a:t>
             </a:fld>
             <a:endParaRPr lang="en-GB"/>
           </a:p>
@@ -1673,7 +1657,7 @@
           <a:p>
             <a:fld id="{F8A5948D-6B6B-4AEB-B022-F2A9ADD6F77D}" type="datetimeFigureOut">
               <a:rPr lang="en-GB" smtClean="0"/>
-              <a:t>22/08/2024</a:t>
+              <a:t>06/02/2025</a:t>
             </a:fld>
             <a:endParaRPr lang="en-GB"/>
           </a:p>
@@ -1941,7 +1925,7 @@
           <a:p>
             <a:fld id="{F8A5948D-6B6B-4AEB-B022-F2A9ADD6F77D}" type="datetimeFigureOut">
               <a:rPr lang="en-GB" smtClean="0"/>
-              <a:t>22/08/2024</a:t>
+              <a:t>06/02/2025</a:t>
             </a:fld>
             <a:endParaRPr lang="en-GB"/>
           </a:p>
@@ -2356,7 +2340,7 @@
           <a:p>
             <a:fld id="{F8A5948D-6B6B-4AEB-B022-F2A9ADD6F77D}" type="datetimeFigureOut">
               <a:rPr lang="en-GB" smtClean="0"/>
-              <a:t>22/08/2024</a:t>
+              <a:t>06/02/2025</a:t>
             </a:fld>
             <a:endParaRPr lang="en-GB"/>
           </a:p>
@@ -2498,7 +2482,7 @@
           <a:p>
             <a:fld id="{F8A5948D-6B6B-4AEB-B022-F2A9ADD6F77D}" type="datetimeFigureOut">
               <a:rPr lang="en-GB" smtClean="0"/>
-              <a:t>22/08/2024</a:t>
+              <a:t>06/02/2025</a:t>
             </a:fld>
             <a:endParaRPr lang="en-GB"/>
           </a:p>
@@ -2611,7 +2595,7 @@
           <a:p>
             <a:fld id="{F8A5948D-6B6B-4AEB-B022-F2A9ADD6F77D}" type="datetimeFigureOut">
               <a:rPr lang="en-GB" smtClean="0"/>
-              <a:t>22/08/2024</a:t>
+              <a:t>06/02/2025</a:t>
             </a:fld>
             <a:endParaRPr lang="en-GB"/>
           </a:p>
@@ -2924,7 +2908,7 @@
           <a:p>
             <a:fld id="{F8A5948D-6B6B-4AEB-B022-F2A9ADD6F77D}" type="datetimeFigureOut">
               <a:rPr lang="en-GB" smtClean="0"/>
-              <a:t>22/08/2024</a:t>
+              <a:t>06/02/2025</a:t>
             </a:fld>
             <a:endParaRPr lang="en-GB"/>
           </a:p>
@@ -3213,7 +3197,7 @@
           <a:p>
             <a:fld id="{F8A5948D-6B6B-4AEB-B022-F2A9ADD6F77D}" type="datetimeFigureOut">
               <a:rPr lang="en-GB" smtClean="0"/>
-              <a:t>22/08/2024</a:t>
+              <a:t>06/02/2025</a:t>
             </a:fld>
             <a:endParaRPr lang="en-GB"/>
           </a:p>
@@ -3456,7 +3440,7 @@
           <a:p>
             <a:fld id="{F8A5948D-6B6B-4AEB-B022-F2A9ADD6F77D}" type="datetimeFigureOut">
               <a:rPr lang="en-GB" smtClean="0"/>
-              <a:t>22/08/2024</a:t>
+              <a:t>06/02/2025</a:t>
             </a:fld>
             <a:endParaRPr lang="en-GB"/>
           </a:p>
@@ -4652,7 +4636,14 @@
                 <a:latin typeface="Times New Roman" panose="02020603050405020304" pitchFamily="18" charset="0"/>
                 <a:cs typeface="Times New Roman" panose="02020603050405020304" pitchFamily="18" charset="0"/>
               </a:rPr>
-              <a:t>s – sampling frequency</a:t>
+              <a:t>s </a:t>
+            </a:r>
+            <a:r>
+              <a:rPr lang="en-GB" i="1" dirty="0">
+                <a:latin typeface="Times New Roman" panose="02020603050405020304" pitchFamily="18" charset="0"/>
+                <a:cs typeface="Times New Roman" panose="02020603050405020304" pitchFamily="18" charset="0"/>
+              </a:rPr>
+              <a:t>– sampling frequency</a:t>
             </a:r>
             <a:endParaRPr lang="en-GB" dirty="0">
               <a:latin typeface="Times New Roman" panose="02020603050405020304" pitchFamily="18" charset="0"/>
